--- a/AISA CISSP - Software Development Security.pptx
+++ b/AISA CISSP - Software Development Security.pptx
@@ -12890,19 +12890,7 @@
           <a:p>
             <a:r>
               <a:rPr lang="en-AU" dirty="0" smtClean="0"/>
-              <a:t>Avoid </a:t>
-            </a:r>
-            <a:r>
-              <a:rPr lang="en-AU" dirty="0" smtClean="0"/>
-              <a:t>buffer overflow prone </a:t>
-            </a:r>
-            <a:r>
-              <a:rPr lang="en-AU" dirty="0" smtClean="0"/>
-              <a:t>APIs. E.g</a:t>
-            </a:r>
-            <a:r>
-              <a:rPr lang="en-AU" dirty="0" smtClean="0"/>
-              <a:t>. C language </a:t>
+              <a:t>Avoid buffer overflow prone APIs. E.g. C language </a:t>
             </a:r>
             <a:r>
               <a:rPr lang="en-AU" dirty="0" err="1" smtClean="0"/>
@@ -12920,7 +12908,6 @@
               <a:rPr lang="en-AU" dirty="0" smtClean="0"/>
               <a:t>, source) </a:t>
             </a:r>
-            <a:endParaRPr lang="en-AU" dirty="0" smtClean="0"/>
           </a:p>
           <a:p>
             <a:r>
@@ -12932,19 +12919,7 @@
             <a:pPr lvl="1"/>
             <a:r>
               <a:rPr lang="en-AU" dirty="0" smtClean="0"/>
-              <a:t>Static </a:t>
-            </a:r>
-            <a:r>
-              <a:rPr lang="en-AU" dirty="0" smtClean="0"/>
-              <a:t>analysis tools </a:t>
-            </a:r>
-            <a:r>
-              <a:rPr lang="en-AU" dirty="0" smtClean="0"/>
-              <a:t>e.g</a:t>
-            </a:r>
-            <a:r>
-              <a:rPr lang="en-AU" dirty="0" smtClean="0"/>
-              <a:t>. </a:t>
+              <a:t>Static analysis tools e.g. </a:t>
             </a:r>
             <a:r>
               <a:rPr lang="en-AU" dirty="0" err="1" smtClean="0"/>
@@ -12952,13 +12927,8 @@
             </a:r>
             <a:r>
               <a:rPr lang="en-AU" dirty="0" smtClean="0"/>
-              <a:t>, </a:t>
-            </a:r>
-            <a:r>
-              <a:rPr lang="en-AU" dirty="0" smtClean="0"/>
-              <a:t>HP Fortify 360</a:t>
-            </a:r>
-            <a:endParaRPr lang="en-AU" dirty="0" smtClean="0"/>
+              <a:t>, HP Fortify 360</a:t>
+            </a:r>
           </a:p>
           <a:p>
             <a:pPr lvl="1"/>
@@ -12984,7 +12954,6 @@
               <a:rPr lang="en-AU" dirty="0" smtClean="0"/>
               <a:t>)</a:t>
             </a:r>
-            <a:endParaRPr lang="en-AU" dirty="0" smtClean="0"/>
           </a:p>
           <a:p>
             <a:endParaRPr lang="en-AU" dirty="0"/>
@@ -13375,43 +13344,19 @@
           <a:p>
             <a:r>
               <a:rPr lang="en-AU" dirty="0" smtClean="0"/>
-              <a:t>Padding </a:t>
-            </a:r>
-            <a:r>
-              <a:rPr lang="en-AU" dirty="0" smtClean="0"/>
-              <a:t>or guard bytes</a:t>
-            </a:r>
-          </a:p>
-          <a:p>
-            <a:r>
-              <a:rPr lang="en-AU" dirty="0" smtClean="0"/>
-              <a:t>Address Space Layout Randomization (ASLR) = Randomize location of </a:t>
-            </a:r>
-            <a:r>
-              <a:rPr lang="en-AU" dirty="0" smtClean="0"/>
-              <a:t>libraries, e.g</a:t>
-            </a:r>
-            <a:r>
-              <a:rPr lang="en-AU" dirty="0" smtClean="0"/>
-              <a:t>. Windows ASLR</a:t>
-            </a:r>
-          </a:p>
-          <a:p>
-            <a:r>
-              <a:rPr lang="en-AU" dirty="0" smtClean="0"/>
-              <a:t>Data Execution Prevention (DEP</a:t>
-            </a:r>
-            <a:r>
-              <a:rPr lang="en-AU" dirty="0" smtClean="0"/>
-              <a:t>), e.g</a:t>
-            </a:r>
-            <a:r>
-              <a:rPr lang="en-AU" dirty="0" smtClean="0"/>
-              <a:t>. Intel x86/x64 page NX </a:t>
-            </a:r>
-            <a:r>
-              <a:rPr lang="en-AU" dirty="0" smtClean="0"/>
-              <a:t>bit</a:t>
+              <a:t>Padding or guard bytes</a:t>
+            </a:r>
+          </a:p>
+          <a:p>
+            <a:r>
+              <a:rPr lang="en-AU" dirty="0" smtClean="0"/>
+              <a:t>Address Space Layout Randomization (ASLR) = Randomize location of libraries, e.g. Windows ASLR</a:t>
+            </a:r>
+          </a:p>
+          <a:p>
+            <a:r>
+              <a:rPr lang="en-AU" dirty="0" smtClean="0"/>
+              <a:t>Data Execution Prevention (DEP), e.g. Intel x86/x64 page NX bit</a:t>
             </a:r>
           </a:p>
           <a:p>
@@ -13834,47 +13779,19 @@
           <a:p>
             <a:r>
               <a:rPr lang="en-AU" dirty="0" smtClean="0"/>
-              <a:t>Applications use text as </a:t>
-            </a:r>
-            <a:r>
-              <a:rPr lang="en-AU" dirty="0" smtClean="0"/>
-              <a:t>instructions, e.g</a:t>
-            </a:r>
-            <a:r>
-              <a:rPr lang="en-AU" dirty="0" smtClean="0"/>
-              <a:t>. HTML for web page, SQL for a database</a:t>
-            </a:r>
-          </a:p>
-          <a:p>
-            <a:r>
-              <a:rPr lang="en-AU" dirty="0" smtClean="0"/>
-              <a:t>Text is constructed during execution using data input by the </a:t>
-            </a:r>
-            <a:r>
-              <a:rPr lang="en-AU" dirty="0" smtClean="0"/>
-              <a:t>user, e.g</a:t>
-            </a:r>
-            <a:r>
-              <a:rPr lang="en-AU" dirty="0" smtClean="0"/>
-              <a:t>. Show the new user’s name in an HTML web page, add the new user to the database</a:t>
-            </a:r>
-          </a:p>
-          <a:p>
-            <a:r>
-              <a:rPr lang="en-AU" dirty="0" smtClean="0"/>
-              <a:t>Certain characters have special </a:t>
-            </a:r>
-            <a:r>
-              <a:rPr lang="en-AU" dirty="0" smtClean="0"/>
-              <a:t>meaning, e.g</a:t>
-            </a:r>
-            <a:r>
-              <a:rPr lang="en-AU" dirty="0" smtClean="0"/>
-              <a:t>. ‘&lt;‘ and ‘&gt;’ in HTML, ‘’’ in </a:t>
-            </a:r>
-            <a:r>
-              <a:rPr lang="en-AU" dirty="0" smtClean="0"/>
-              <a:t>SQL</a:t>
+              <a:t>Applications use text as instructions, e.g. HTML for web page, SQL for a database</a:t>
+            </a:r>
+          </a:p>
+          <a:p>
+            <a:r>
+              <a:rPr lang="en-AU" dirty="0" smtClean="0"/>
+              <a:t>Text is constructed during execution using data input by the user, e.g. Show the new user’s name in an HTML web page, add the new user to the database</a:t>
+            </a:r>
+          </a:p>
+          <a:p>
+            <a:r>
+              <a:rPr lang="en-AU" dirty="0" smtClean="0"/>
+              <a:t>Certain characters have special meaning, e.g. ‘&lt;‘ and ‘&gt;’ in HTML, ‘’’ in SQL</a:t>
             </a:r>
           </a:p>
           <a:p>
@@ -14800,24 +14717,7 @@
                 <a:ea typeface="+mn-ea"/>
                 <a:cs typeface="+mn-cs"/>
               </a:rPr>
-              <a:t>What if </a:t>
-            </a:r>
-            <a:r>
-              <a:rPr kumimoji="0" lang="en-AU" sz="3200" b="0" i="0" u="none" strike="noStrike" kern="0" cap="none" spc="0" normalizeH="0" baseline="0" noProof="0" dirty="0" smtClean="0">
-                <a:ln>
-                  <a:noFill/>
-                </a:ln>
-                <a:solidFill>
-                  <a:schemeClr val="tx1"/>
-                </a:solidFill>
-                <a:effectLst/>
-                <a:uLnTx/>
-                <a:uFillTx/>
-                <a:latin typeface="+mn-lt"/>
-                <a:ea typeface="+mn-ea"/>
-                <a:cs typeface="+mn-cs"/>
-              </a:rPr>
-              <a:t>customer</a:t>
+              <a:t>What if customer</a:t>
             </a:r>
             <a:r>
               <a:rPr kumimoji="0" lang="en-AU" sz="3200" b="0" i="0" u="none" strike="noStrike" kern="0" cap="none" spc="0" normalizeH="0" noProof="0" dirty="0" smtClean="0">
@@ -14851,56 +14751,8 @@
                 <a:ea typeface="+mn-ea"/>
                 <a:cs typeface="+mn-cs"/>
               </a:rPr>
-              <a:t>“ </a:t>
-            </a:r>
-            <a:r>
-              <a:rPr kumimoji="0" lang="en-AU" sz="3200" b="0" i="0" u="none" strike="noStrike" kern="0" cap="none" spc="0" normalizeH="0" baseline="0" noProof="0" dirty="0" smtClean="0">
-                <a:ln>
-                  <a:noFill/>
-                </a:ln>
-                <a:solidFill>
-                  <a:schemeClr val="tx1"/>
-                </a:solidFill>
-                <a:effectLst/>
-                <a:uLnTx/>
-                <a:uFillTx/>
-                <a:latin typeface="+mn-lt"/>
-                <a:ea typeface="+mn-ea"/>
-                <a:cs typeface="+mn-cs"/>
-              </a:rPr>
-              <a:t>Foo’ or ‘1’= ‘1 ” </a:t>
-            </a:r>
-            <a:r>
-              <a:rPr kumimoji="0" lang="en-AU" sz="3200" b="0" i="0" u="none" strike="noStrike" kern="0" cap="none" spc="0" normalizeH="0" baseline="0" noProof="0" dirty="0" smtClean="0">
-                <a:ln>
-                  <a:noFill/>
-                </a:ln>
-                <a:solidFill>
-                  <a:schemeClr val="tx1"/>
-                </a:solidFill>
-                <a:effectLst/>
-                <a:uLnTx/>
-                <a:uFillTx/>
-                <a:latin typeface="+mn-lt"/>
-                <a:ea typeface="+mn-ea"/>
-                <a:cs typeface="+mn-cs"/>
-              </a:rPr>
-              <a:t>for their company?</a:t>
-            </a:r>
-            <a:endParaRPr kumimoji="0" lang="en-AU" sz="3200" b="0" i="0" u="none" strike="noStrike" kern="0" cap="none" spc="0" normalizeH="0" baseline="0" noProof="0" dirty="0" smtClean="0">
-              <a:ln>
-                <a:noFill/>
-              </a:ln>
-              <a:solidFill>
-                <a:schemeClr val="tx1"/>
-              </a:solidFill>
-              <a:effectLst/>
-              <a:uLnTx/>
-              <a:uFillTx/>
-              <a:latin typeface="+mn-lt"/>
-              <a:ea typeface="+mn-ea"/>
-              <a:cs typeface="+mn-cs"/>
-            </a:endParaRPr>
+              <a:t>“ Foo’ or ‘1’= ‘1 ” for their company?</a:t>
+            </a:r>
           </a:p>
         </p:txBody>
       </p:sp>
@@ -15092,11 +14944,7 @@
             <a:pPr algn="ctr"/>
             <a:r>
               <a:rPr lang="en-AU" dirty="0" smtClean="0"/>
-              <a:t>http://</a:t>
-            </a:r>
-            <a:r>
-              <a:rPr lang="en-AU" dirty="0" smtClean="0"/>
-              <a:t>www.xkcd.com/327</a:t>
+              <a:t>http://www.xkcd.com/327</a:t>
             </a:r>
           </a:p>
           <a:p>
@@ -15141,7 +14989,7 @@
           <a:noFill/>
           <a:extLst>
             <a:ext uri="{909E8E84-426E-40dd-AFC4-6F175D3DCCD1}">
-              <a14:hiddenFill xmlns="" xmlns:a14="http://schemas.microsoft.com/office/drawing/2010/main">
+              <a14:hiddenFill xmlns:a14="http://schemas.microsoft.com/office/drawing/2010/main" xmlns="">
                 <a:solidFill>
                   <a:srgbClr val="FFFFFF"/>
                 </a:solidFill>
@@ -15218,11 +15066,7 @@
           <a:p>
             <a:r>
               <a:rPr lang="en-AU" dirty="0" smtClean="0"/>
-              <a:t>Injection </a:t>
-            </a:r>
-            <a:r>
-              <a:rPr lang="en-AU" dirty="0" smtClean="0"/>
-              <a:t>Mitigation</a:t>
+              <a:t>Injection Mitigation</a:t>
             </a:r>
             <a:endParaRPr lang="en-AU" dirty="0"/>
           </a:p>
@@ -15584,22 +15428,13 @@
           <a:p>
             <a:r>
               <a:rPr lang="en-AU" dirty="0" smtClean="0"/>
-              <a:t>Instructions (usually </a:t>
-            </a:r>
-            <a:r>
-              <a:rPr lang="en-AU" dirty="0" smtClean="0"/>
-              <a:t>JavaScript) injected into another page</a:t>
-            </a:r>
-            <a:endParaRPr lang="en-AU" dirty="0" smtClean="0"/>
-          </a:p>
-          <a:p>
-            <a:r>
-              <a:rPr lang="en-AU" dirty="0" smtClean="0"/>
-              <a:t>One site is usually attacking another, </a:t>
-            </a:r>
-            <a:r>
-              <a:rPr lang="en-AU" dirty="0" smtClean="0"/>
-              <a:t>hence the name</a:t>
+              <a:t>Instructions (usually JavaScript) injected into another page</a:t>
+            </a:r>
+          </a:p>
+          <a:p>
+            <a:r>
+              <a:rPr lang="en-AU" dirty="0" smtClean="0"/>
+              <a:t>One site is usually attacking another, hence the name</a:t>
             </a:r>
           </a:p>
           <a:p>
@@ -17169,13 +17004,8 @@
           <a:p>
             <a:r>
               <a:rPr lang="en-AU" dirty="0" smtClean="0"/>
-              <a:t>Delivery of browser based exploits (e.g. </a:t>
-            </a:r>
-            <a:r>
-              <a:rPr lang="en-AU" dirty="0" smtClean="0"/>
-              <a:t>download attachment that uses flaw in program to compromise computer)</a:t>
-            </a:r>
-            <a:endParaRPr lang="en-AU" dirty="0" smtClean="0"/>
+              <a:t>Delivery of browser based exploits (e.g. download attachment that uses flaw in program to compromise computer)</a:t>
+            </a:r>
           </a:p>
         </p:txBody>
       </p:sp>
@@ -17287,22 +17117,12 @@
               <a:rPr lang="en-AU" dirty="0" smtClean="0"/>
               <a:t>Sanitize and whitelist data. Use appropriate escaping mechanism for output.</a:t>
             </a:r>
-            <a:endParaRPr lang="en-AU" dirty="0" smtClean="0"/>
-          </a:p>
-          <a:p>
-            <a:r>
-              <a:rPr lang="en-AU" dirty="0" smtClean="0"/>
-              <a:t>Do </a:t>
-            </a:r>
-            <a:r>
-              <a:rPr lang="en-AU" dirty="0" smtClean="0"/>
-              <a:t>not rely on client side security </a:t>
-            </a:r>
-            <a:r>
-              <a:rPr lang="en-AU" dirty="0" smtClean="0"/>
-              <a:t>checks</a:t>
-            </a:r>
-            <a:endParaRPr lang="en-AU" dirty="0" smtClean="0"/>
+          </a:p>
+          <a:p>
+            <a:r>
+              <a:rPr lang="en-AU" dirty="0" smtClean="0"/>
+              <a:t>Do not rely on client side security checks</a:t>
+            </a:r>
           </a:p>
         </p:txBody>
       </p:sp>
@@ -17316,13 +17136,13 @@
   <p:clrMapOvr>
     <a:masterClrMapping/>
   </p:clrMapOvr>
-  <mc:AlternateContent xmlns:mc="http://schemas.openxmlformats.org/markup-compatibility/2006">
-    <mc:Choice xmlns:p14="http://schemas.microsoft.com/office/powerpoint/2010/main" Requires="p14">
+  <mc:AlternateContent xmlns:mc="http://schemas.openxmlformats.org/markup-compatibility/2006" xmlns:p14="http://schemas.microsoft.com/office/powerpoint/2010/main">
+    <mc:Choice Requires="p14">
       <p:transition p14:dur="350">
         <p:fade/>
       </p:transition>
     </mc:Choice>
-    <mc:Fallback>
+    <mc:Fallback xmlns="">
       <p:transition>
         <p:fade/>
       </p:transition>
@@ -17570,16 +17390,11 @@
               <a:rPr lang="en-AU" dirty="0" smtClean="0"/>
               <a:t>User forced into undesired actions on server by malicious page or script</a:t>
             </a:r>
-            <a:endParaRPr lang="en-AU" dirty="0" smtClean="0"/>
-          </a:p>
-          <a:p>
-            <a:r>
-              <a:rPr lang="en-AU" dirty="0" smtClean="0"/>
-              <a:t>Cookie </a:t>
-            </a:r>
-            <a:r>
-              <a:rPr lang="en-AU" dirty="0" smtClean="0"/>
-              <a:t>= Small file uploaded to browser and supplied to web server on request </a:t>
+          </a:p>
+          <a:p>
+            <a:r>
+              <a:rPr lang="en-AU" dirty="0" smtClean="0"/>
+              <a:t>Cookie = Small file uploaded to browser and supplied to web server on request </a:t>
             </a:r>
           </a:p>
           <a:p>
@@ -18125,11 +17940,7 @@
           <a:p>
             <a:r>
               <a:rPr lang="en-AU" dirty="0" smtClean="0"/>
-              <a:t>Encrypt </a:t>
-            </a:r>
-            <a:r>
-              <a:rPr lang="en-AU" dirty="0" smtClean="0"/>
-              <a:t>cookies</a:t>
+              <a:t>Encrypt cookies</a:t>
             </a:r>
           </a:p>
           <a:p>
@@ -18145,7 +17956,6 @@
               <a:rPr lang="en-AU" dirty="0" smtClean="0"/>
               <a:t>” and “Secure” flags</a:t>
             </a:r>
-            <a:endParaRPr lang="en-AU" dirty="0" smtClean="0"/>
           </a:p>
           <a:p>
             <a:r>
@@ -18187,11 +17997,7 @@
             </a:r>
             <a:r>
               <a:rPr lang="en-AU" dirty="0" smtClean="0"/>
-              <a:t> for sensitive </a:t>
-            </a:r>
-            <a:r>
-              <a:rPr lang="en-AU" dirty="0" smtClean="0"/>
-              <a:t>operations</a:t>
+              <a:t> for sensitive operations</a:t>
             </a:r>
           </a:p>
           <a:p>
@@ -19055,11 +18861,7 @@
           <a:p>
             <a:r>
               <a:rPr lang="en-AU" sz="2200" dirty="0" smtClean="0"/>
-              <a:t>Information Disclosure = </a:t>
-            </a:r>
-            <a:r>
-              <a:rPr lang="en-AU" sz="2200" dirty="0" smtClean="0"/>
-              <a:t>?</a:t>
+              <a:t>Information Disclosure = ?</a:t>
             </a:r>
             <a:br>
               <a:rPr lang="en-AU" sz="2200" dirty="0" smtClean="0"/>
@@ -19083,11 +18885,7 @@
           <a:p>
             <a:r>
               <a:rPr lang="en-AU" sz="2200" dirty="0" smtClean="0"/>
-              <a:t>Elevation of Privilege = </a:t>
-            </a:r>
-            <a:r>
-              <a:rPr lang="en-AU" sz="2200" dirty="0" smtClean="0"/>
-              <a:t>?</a:t>
+              <a:t>Elevation of Privilege = ?</a:t>
             </a:r>
             <a:br>
               <a:rPr lang="en-AU" sz="2200" dirty="0" smtClean="0"/>
@@ -19114,7 +18912,6 @@
               <a:rPr lang="en-AU" sz="2200" dirty="0" smtClean="0"/>
               <a:t>  </a:t>
             </a:r>
-            <a:endParaRPr lang="en-AU" sz="2200" dirty="0" smtClean="0"/>
           </a:p>
         </p:txBody>
       </p:sp>
@@ -33953,7 +33750,7 @@
             <a:prstTxWarp prst="textNoShape">
               <a:avLst/>
             </a:prstTxWarp>
-            <a:normAutofit/>
+            <a:normAutofit fontScale="85000" lnSpcReduction="20000"/>
           </a:bodyPr>
           <a:lstStyle/>
           <a:p>
@@ -33997,8 +33794,39 @@
             <a:pPr eaLnBrk="1" hangingPunct="1"/>
             <a:r>
               <a:rPr lang="en-AU" dirty="0" smtClean="0"/>
-              <a:t>Mobile Phones (discrete)</a:t>
-            </a:r>
+              <a:t>Mobile Phones (discrete</a:t>
+            </a:r>
+            <a:r>
+              <a:rPr lang="en-AU" dirty="0" smtClean="0"/>
+              <a:t>)</a:t>
+            </a:r>
+          </a:p>
+          <a:p>
+            <a:r>
+              <a:rPr lang="en-AU" dirty="0" smtClean="0"/>
+              <a:t>These </a:t>
+            </a:r>
+            <a:r>
+              <a:rPr lang="en-AU" dirty="0"/>
+              <a:t>slides available at </a:t>
+            </a:r>
+            <a:r>
+              <a:rPr lang="en-AU" dirty="0">
+                <a:hlinkClick r:id="rId4"/>
+              </a:rPr>
+              <a:t>https://github.com/anthonylangsworth/AISACISSP/blob/master/AISA%20CISSP%20-%</a:t>
+            </a:r>
+            <a:r>
+              <a:rPr lang="en-AU" dirty="0" smtClean="0">
+                <a:hlinkClick r:id="rId4"/>
+              </a:rPr>
+              <a:t>20Software%20Development%20Security.pptx?raw=true</a:t>
+            </a:r>
+            <a:r>
+              <a:rPr lang="en-AU" dirty="0" smtClean="0"/>
+              <a:t> </a:t>
+            </a:r>
+            <a:endParaRPr lang="en-AU" dirty="0" smtClean="0"/>
           </a:p>
         </p:txBody>
       </p:sp>
@@ -48788,15 +48616,7 @@
             </a:pPr>
             <a:r>
               <a:rPr lang="en-AU" sz="1400" dirty="0" smtClean="0"/>
-              <a:t>	Source: “Microsoft Security Intelligence Report”, </a:t>
-            </a:r>
-            <a:r>
-              <a:rPr lang="en-AU" sz="1400" dirty="0" smtClean="0"/>
-              <a:t>Volume </a:t>
-            </a:r>
-            <a:r>
-              <a:rPr lang="en-AU" sz="1400" dirty="0" smtClean="0"/>
-              <a:t>14, Jul-Dec 2012, p23 (</a:t>
+              <a:t>	Source: “Microsoft Security Intelligence Report”, Volume 14, Jul-Dec 2012, p23 (</a:t>
             </a:r>
             <a:r>
               <a:rPr lang="en-AU" sz="1400" dirty="0" smtClean="0">
@@ -53351,15 +53171,7 @@
             <a:pPr algn="ctr"/>
             <a:r>
               <a:rPr lang="en-AU" dirty="0" smtClean="0"/>
-              <a:t>Existing </a:t>
-            </a:r>
-            <a:r>
-              <a:rPr lang="en-AU" dirty="0" smtClean="0"/>
-              <a:t>data (e.g. data, instructions) </a:t>
-            </a:r>
-            <a:r>
-              <a:rPr lang="en-AU" dirty="0" smtClean="0"/>
-              <a:t>is overwritten</a:t>
+              <a:t>Existing data (e.g. data, instructions) is overwritten</a:t>
             </a:r>
             <a:endParaRPr lang="en-AU" dirty="0"/>
           </a:p>
